--- a/Session-4.pptx
+++ b/Session-4.pptx
@@ -249,7 +249,7 @@
             <a:fld id="{3BC3F569-19F3-4A8F-BF89-6321182380A1}" type="datetimeFigureOut">
               <a:rPr lang="en-IN" smtClean="0"/>
               <a:pPr/>
-              <a:t>04-02-2024</a:t>
+              <a:t>10-02-2024</a:t>
             </a:fld>
             <a:endParaRPr lang="en-IN"/>
           </a:p>
@@ -421,7 +421,7 @@
             <a:fld id="{3BC3F569-19F3-4A8F-BF89-6321182380A1}" type="datetimeFigureOut">
               <a:rPr lang="en-IN" smtClean="0"/>
               <a:pPr/>
-              <a:t>04-02-2024</a:t>
+              <a:t>10-02-2024</a:t>
             </a:fld>
             <a:endParaRPr lang="en-IN"/>
           </a:p>
@@ -603,7 +603,7 @@
             <a:fld id="{3BC3F569-19F3-4A8F-BF89-6321182380A1}" type="datetimeFigureOut">
               <a:rPr lang="en-IN" smtClean="0"/>
               <a:pPr/>
-              <a:t>04-02-2024</a:t>
+              <a:t>10-02-2024</a:t>
             </a:fld>
             <a:endParaRPr lang="en-IN"/>
           </a:p>
@@ -775,7 +775,7 @@
             <a:fld id="{3BC3F569-19F3-4A8F-BF89-6321182380A1}" type="datetimeFigureOut">
               <a:rPr lang="en-IN" smtClean="0"/>
               <a:pPr/>
-              <a:t>04-02-2024</a:t>
+              <a:t>10-02-2024</a:t>
             </a:fld>
             <a:endParaRPr lang="en-IN"/>
           </a:p>
@@ -1023,7 +1023,7 @@
             <a:fld id="{3BC3F569-19F3-4A8F-BF89-6321182380A1}" type="datetimeFigureOut">
               <a:rPr lang="en-IN" smtClean="0"/>
               <a:pPr/>
-              <a:t>04-02-2024</a:t>
+              <a:t>10-02-2024</a:t>
             </a:fld>
             <a:endParaRPr lang="en-IN"/>
           </a:p>
@@ -1257,7 +1257,7 @@
             <a:fld id="{3BC3F569-19F3-4A8F-BF89-6321182380A1}" type="datetimeFigureOut">
               <a:rPr lang="en-IN" smtClean="0"/>
               <a:pPr/>
-              <a:t>04-02-2024</a:t>
+              <a:t>10-02-2024</a:t>
             </a:fld>
             <a:endParaRPr lang="en-IN"/>
           </a:p>
@@ -1626,7 +1626,7 @@
             <a:fld id="{3BC3F569-19F3-4A8F-BF89-6321182380A1}" type="datetimeFigureOut">
               <a:rPr lang="en-IN" smtClean="0"/>
               <a:pPr/>
-              <a:t>04-02-2024</a:t>
+              <a:t>10-02-2024</a:t>
             </a:fld>
             <a:endParaRPr lang="en-IN"/>
           </a:p>
@@ -1746,7 +1746,7 @@
             <a:fld id="{3BC3F569-19F3-4A8F-BF89-6321182380A1}" type="datetimeFigureOut">
               <a:rPr lang="en-IN" smtClean="0"/>
               <a:pPr/>
-              <a:t>04-02-2024</a:t>
+              <a:t>10-02-2024</a:t>
             </a:fld>
             <a:endParaRPr lang="en-IN"/>
           </a:p>
@@ -1843,7 +1843,7 @@
             <a:fld id="{3BC3F569-19F3-4A8F-BF89-6321182380A1}" type="datetimeFigureOut">
               <a:rPr lang="en-IN" smtClean="0"/>
               <a:pPr/>
-              <a:t>04-02-2024</a:t>
+              <a:t>10-02-2024</a:t>
             </a:fld>
             <a:endParaRPr lang="en-IN"/>
           </a:p>
@@ -2122,7 +2122,7 @@
             <a:fld id="{3BC3F569-19F3-4A8F-BF89-6321182380A1}" type="datetimeFigureOut">
               <a:rPr lang="en-IN" smtClean="0"/>
               <a:pPr/>
-              <a:t>04-02-2024</a:t>
+              <a:t>10-02-2024</a:t>
             </a:fld>
             <a:endParaRPr lang="en-IN"/>
           </a:p>
@@ -2381,7 +2381,7 @@
             <a:fld id="{3BC3F569-19F3-4A8F-BF89-6321182380A1}" type="datetimeFigureOut">
               <a:rPr lang="en-IN" smtClean="0"/>
               <a:pPr/>
-              <a:t>04-02-2024</a:t>
+              <a:t>10-02-2024</a:t>
             </a:fld>
             <a:endParaRPr lang="en-IN"/>
           </a:p>
@@ -2596,7 +2596,7 @@
             <a:fld id="{3BC3F569-19F3-4A8F-BF89-6321182380A1}" type="datetimeFigureOut">
               <a:rPr lang="en-IN" smtClean="0"/>
               <a:pPr/>
-              <a:t>04-02-2024</a:t>
+              <a:t>10-02-2024</a:t>
             </a:fld>
             <a:endParaRPr lang="en-IN"/>
           </a:p>
@@ -3040,27 +3040,8 @@
                 </a:solidFill>
                 <a:latin typeface="Algerian" panose="04020705040A02060702" pitchFamily="82" charset="0"/>
               </a:rPr>
-              <a:t>AWS </a:t>
-            </a:r>
-            <a:r>
-              <a:rPr lang="en-IN" sz="5400" b="1" i="1" dirty="0" smtClean="0">
-                <a:solidFill>
-                  <a:schemeClr val="accent1">
-                    <a:lumMod val="75000"/>
-                  </a:schemeClr>
-                </a:solidFill>
-                <a:latin typeface="Algerian" panose="04020705040A02060702" pitchFamily="82" charset="0"/>
-              </a:rPr>
-              <a:t>Session-4</a:t>
-            </a:r>
-            <a:endParaRPr lang="en-IN" sz="5400" b="1" i="1" dirty="0" smtClean="0">
-              <a:solidFill>
-                <a:schemeClr val="accent1">
-                  <a:lumMod val="75000"/>
-                </a:schemeClr>
-              </a:solidFill>
-              <a:latin typeface="Algerian" panose="04020705040A02060702" pitchFamily="82" charset="0"/>
-            </a:endParaRPr>
+              <a:t>AWS Session-4</a:t>
+            </a:r>
           </a:p>
         </p:txBody>
       </p:sp>
@@ -3165,21 +3146,10 @@
           </a:p>
           <a:p>
             <a:r>
-              <a:rPr lang="en-US" dirty="0" smtClean="0"/>
-              <a:t>Amazon </a:t>
-            </a:r>
-            <a:r>
               <a:rPr lang="en-US" dirty="0" err="1" smtClean="0"/>
-              <a:t>Redshift</a:t>
-            </a:r>
-            <a:r>
-              <a:rPr lang="en-US" dirty="0" smtClean="0"/>
-              <a:t> </a:t>
-            </a:r>
-            <a:r>
-              <a:rPr lang="en-US" dirty="0" smtClean="0"/>
-              <a:t>– Demo</a:t>
-            </a:r>
+              <a:t>Elasticache</a:t>
+            </a:r>
+            <a:endParaRPr lang="en-US" dirty="0" smtClean="0"/>
           </a:p>
         </p:txBody>
       </p:sp>
